--- a/ChessTutorial.pptx
+++ b/ChessTutorial.pptx
@@ -6,10 +6,12 @@
   </p:sldMasterIdLst>
   <p:sldIdLst>
     <p:sldId id="256" r:id="rId2"/>
-    <p:sldId id="257" r:id="rId3"/>
-    <p:sldId id="258" r:id="rId4"/>
-    <p:sldId id="259" r:id="rId5"/>
-    <p:sldId id="260" r:id="rId6"/>
+    <p:sldId id="261" r:id="rId3"/>
+    <p:sldId id="257" r:id="rId4"/>
+    <p:sldId id="258" r:id="rId5"/>
+    <p:sldId id="259" r:id="rId6"/>
+    <p:sldId id="262" r:id="rId7"/>
+    <p:sldId id="260" r:id="rId8"/>
   </p:sldIdLst>
   <p:sldSz cx="12192000" cy="6858000"/>
   <p:notesSz cx="6858000" cy="9144000"/>
@@ -108,6 +110,11 @@
       </a:defRPr>
     </a:lvl9pPr>
   </p:defaultTextStyle>
+  <p:extLst>
+    <p:ext uri="{EFAFB233-063F-42B5-8137-9DF3F51BA10A}">
+      <p15:sldGuideLst xmlns:p15="http://schemas.microsoft.com/office/powerpoint/2012/main"/>
+    </p:ext>
+  </p:extLst>
 </p:presentation>
 </file>
 
@@ -260,7 +267,7 @@
           <a:p>
             <a:fld id="{2329E647-1411-2B4B-8816-7E5B28C2331A}" type="datetimeFigureOut">
               <a:rPr lang="en-US" smtClean="0"/>
-              <a:t>5/29/24</a:t>
+              <a:t>5/30/24</a:t>
             </a:fld>
             <a:endParaRPr lang="en-US"/>
           </a:p>
@@ -460,7 +467,7 @@
           <a:p>
             <a:fld id="{2329E647-1411-2B4B-8816-7E5B28C2331A}" type="datetimeFigureOut">
               <a:rPr lang="en-US" smtClean="0"/>
-              <a:t>5/29/24</a:t>
+              <a:t>5/30/24</a:t>
             </a:fld>
             <a:endParaRPr lang="en-US"/>
           </a:p>
@@ -670,7 +677,7 @@
           <a:p>
             <a:fld id="{2329E647-1411-2B4B-8816-7E5B28C2331A}" type="datetimeFigureOut">
               <a:rPr lang="en-US" smtClean="0"/>
-              <a:t>5/29/24</a:t>
+              <a:t>5/30/24</a:t>
             </a:fld>
             <a:endParaRPr lang="en-US"/>
           </a:p>
@@ -870,7 +877,7 @@
           <a:p>
             <a:fld id="{2329E647-1411-2B4B-8816-7E5B28C2331A}" type="datetimeFigureOut">
               <a:rPr lang="en-US" smtClean="0"/>
-              <a:t>5/29/24</a:t>
+              <a:t>5/30/24</a:t>
             </a:fld>
             <a:endParaRPr lang="en-US"/>
           </a:p>
@@ -1146,7 +1153,7 @@
           <a:p>
             <a:fld id="{2329E647-1411-2B4B-8816-7E5B28C2331A}" type="datetimeFigureOut">
               <a:rPr lang="en-US" smtClean="0"/>
-              <a:t>5/29/24</a:t>
+              <a:t>5/30/24</a:t>
             </a:fld>
             <a:endParaRPr lang="en-US"/>
           </a:p>
@@ -1414,7 +1421,7 @@
           <a:p>
             <a:fld id="{2329E647-1411-2B4B-8816-7E5B28C2331A}" type="datetimeFigureOut">
               <a:rPr lang="en-US" smtClean="0"/>
-              <a:t>5/29/24</a:t>
+              <a:t>5/30/24</a:t>
             </a:fld>
             <a:endParaRPr lang="en-US"/>
           </a:p>
@@ -1829,7 +1836,7 @@
           <a:p>
             <a:fld id="{2329E647-1411-2B4B-8816-7E5B28C2331A}" type="datetimeFigureOut">
               <a:rPr lang="en-US" smtClean="0"/>
-              <a:t>5/29/24</a:t>
+              <a:t>5/30/24</a:t>
             </a:fld>
             <a:endParaRPr lang="en-US"/>
           </a:p>
@@ -1971,7 +1978,7 @@
           <a:p>
             <a:fld id="{2329E647-1411-2B4B-8816-7E5B28C2331A}" type="datetimeFigureOut">
               <a:rPr lang="en-US" smtClean="0"/>
-              <a:t>5/29/24</a:t>
+              <a:t>5/30/24</a:t>
             </a:fld>
             <a:endParaRPr lang="en-US"/>
           </a:p>
@@ -2084,7 +2091,7 @@
           <a:p>
             <a:fld id="{2329E647-1411-2B4B-8816-7E5B28C2331A}" type="datetimeFigureOut">
               <a:rPr lang="en-US" smtClean="0"/>
-              <a:t>5/29/24</a:t>
+              <a:t>5/30/24</a:t>
             </a:fld>
             <a:endParaRPr lang="en-US"/>
           </a:p>
@@ -2397,7 +2404,7 @@
           <a:p>
             <a:fld id="{2329E647-1411-2B4B-8816-7E5B28C2331A}" type="datetimeFigureOut">
               <a:rPr lang="en-US" smtClean="0"/>
-              <a:t>5/29/24</a:t>
+              <a:t>5/30/24</a:t>
             </a:fld>
             <a:endParaRPr lang="en-US"/>
           </a:p>
@@ -2686,7 +2693,7 @@
           <a:p>
             <a:fld id="{2329E647-1411-2B4B-8816-7E5B28C2331A}" type="datetimeFigureOut">
               <a:rPr lang="en-US" smtClean="0"/>
-              <a:t>5/29/24</a:t>
+              <a:t>5/30/24</a:t>
             </a:fld>
             <a:endParaRPr lang="en-US"/>
           </a:p>
@@ -2929,7 +2936,7 @@
           <a:p>
             <a:fld id="{2329E647-1411-2B4B-8816-7E5B28C2331A}" type="datetimeFigureOut">
               <a:rPr lang="en-US" smtClean="0"/>
-              <a:t>5/29/24</a:t>
+              <a:t>5/30/24</a:t>
             </a:fld>
             <a:endParaRPr lang="en-US"/>
           </a:p>
@@ -4095,7 +4102,7 @@
       </p:grpSpPr>
       <p:sp useBgFill="1">
         <p:nvSpPr>
-          <p:cNvPr id="13" name="Rectangle 12">
+          <p:cNvPr id="39" name="Rectangle 38">
             <a:extLst>
               <a:ext uri="{FF2B5EF4-FFF2-40B4-BE49-F238E27FC236}">
                 <a16:creationId xmlns:a16="http://schemas.microsoft.com/office/drawing/2014/main" id="{2EB492CD-616E-47F8-933B-5E2D952A0593}"/>
@@ -4249,7 +4256,7 @@
       </p:sp>
       <p:sp>
         <p:nvSpPr>
-          <p:cNvPr id="12" name="Arc 11">
+          <p:cNvPr id="41" name="Arc 40">
             <a:extLst>
               <a:ext uri="{FF2B5EF4-FFF2-40B4-BE49-F238E27FC236}">
                 <a16:creationId xmlns:a16="http://schemas.microsoft.com/office/drawing/2014/main" id="{59383CF9-23B5-4335-9B21-1791C4CF1C75}"/>
@@ -4346,7 +4353,7 @@
           <p:cNvPr id="2" name="Title 1">
             <a:extLst>
               <a:ext uri="{FF2B5EF4-FFF2-40B4-BE49-F238E27FC236}">
-                <a16:creationId xmlns:a16="http://schemas.microsoft.com/office/drawing/2014/main" id="{FD51F1EA-FD4F-BF19-1176-AF0EB1FB77C4}"/>
+                <a16:creationId xmlns:a16="http://schemas.microsoft.com/office/drawing/2014/main" id="{4D4519A5-86BF-C3F8-0A9E-F06C8FE170C7}"/>
               </a:ext>
             </a:extLst>
           </p:cNvPr>
@@ -4364,22 +4371,25 @@
           </a:xfrm>
         </p:spPr>
         <p:txBody>
-          <a:bodyPr>
+          <a:bodyPr vert="horz" lIns="91440" tIns="45720" rIns="91440" bIns="45720" rtlCol="0">
             <a:normAutofit/>
           </a:bodyPr>
           <a:lstStyle/>
           <a:p>
             <a:r>
-              <a:rPr lang="en-US"/>
-              <a:t>Design</a:t>
-            </a:r>
-            <a:endParaRPr lang="en-US" dirty="0"/>
-          </a:p>
-        </p:txBody>
-      </p:sp>
-      <p:sp>
-        <p:nvSpPr>
-          <p:cNvPr id="14" name="Freeform: Shape 13">
+              <a:rPr lang="en-US" kern="1200">
+                <a:latin typeface="+mj-lt"/>
+                <a:ea typeface="+mj-ea"/>
+                <a:cs typeface="+mj-cs"/>
+              </a:rPr>
+              <a:t>Planning</a:t>
+            </a:r>
+          </a:p>
+        </p:txBody>
+      </p:sp>
+      <p:sp>
+        <p:nvSpPr>
+          <p:cNvPr id="43" name="Freeform: Shape 42">
             <a:extLst>
               <a:ext uri="{FF2B5EF4-FFF2-40B4-BE49-F238E27FC236}">
                 <a16:creationId xmlns:a16="http://schemas.microsoft.com/office/drawing/2014/main" id="{0007FE00-9498-4706-B255-6437B0252C02}"/>
@@ -4515,10 +4525,10 @@
       </p:sp>
       <p:pic>
         <p:nvPicPr>
-          <p:cNvPr id="5" name="Picture 4" descr="A screenshot of a chess board&#10;&#10;Description automatically generated">
-            <a:extLst>
-              <a:ext uri="{FF2B5EF4-FFF2-40B4-BE49-F238E27FC236}">
-                <a16:creationId xmlns:a16="http://schemas.microsoft.com/office/drawing/2014/main" id="{BC091870-0E90-1FB1-6ED9-6792212C609E}"/>
+          <p:cNvPr id="4" name="Picture 3" descr="A diagram of a computer process&#10;&#10;Description automatically generated">
+            <a:extLst>
+              <a:ext uri="{FF2B5EF4-FFF2-40B4-BE49-F238E27FC236}">
+                <a16:creationId xmlns:a16="http://schemas.microsoft.com/office/drawing/2014/main" id="{E59A0B0B-FC82-A42F-5DC9-6FD4F390DBA5}"/>
               </a:ext>
             </a:extLst>
           </p:cNvPr>
@@ -4535,8 +4545,8 @@
         </p:blipFill>
         <p:spPr>
           <a:xfrm>
-            <a:off x="967247" y="511293"/>
-            <a:ext cx="4249251" cy="5665670"/>
+            <a:off x="1246074" y="145050"/>
+            <a:ext cx="3595922" cy="6567899"/>
           </a:xfrm>
           <a:custGeom>
             <a:avLst/>
@@ -4589,10 +4599,10 @@
       </p:pic>
       <p:sp>
         <p:nvSpPr>
-          <p:cNvPr id="3" name="Content Placeholder 2">
-            <a:extLst>
-              <a:ext uri="{FF2B5EF4-FFF2-40B4-BE49-F238E27FC236}">
-                <a16:creationId xmlns:a16="http://schemas.microsoft.com/office/drawing/2014/main" id="{E84AC993-37A9-7883-808F-509217EC262D}"/>
+          <p:cNvPr id="29" name="Content Placeholder 28">
+            <a:extLst>
+              <a:ext uri="{FF2B5EF4-FFF2-40B4-BE49-F238E27FC236}">
+                <a16:creationId xmlns:a16="http://schemas.microsoft.com/office/drawing/2014/main" id="{9941FC46-3AA1-537B-7D31-B1D1FBC4053E}"/>
               </a:ext>
             </a:extLst>
           </p:cNvPr>
@@ -4611,7 +4621,7 @@
         </p:spPr>
         <p:txBody>
           <a:bodyPr>
-            <a:normAutofit/>
+            <a:normAutofit fontScale="92500"/>
           </a:bodyPr>
           <a:lstStyle/>
           <a:p>
@@ -4619,25 +4629,91 @@
               <a:buNone/>
             </a:pPr>
             <a:r>
-              <a:rPr lang="en-US" dirty="0"/>
-              <a:t>The layout of this chess tutorial has the board above the dialogue box and a continue button included within the dialogue box.</a:t>
+              <a:rPr lang="en-US" sz="2000" dirty="0"/>
+              <a:t>During the first stages of development, I created a list of things I wanted to include in my Chess Tutorial and ticked them off as I completed them. After most of the programming was done, I created a flow chart to make it easier to understand what might have gone wrong when a bug occurs.</a:t>
             </a:r>
           </a:p>
           <a:p>
             <a:pPr marL="0" indent="0">
               <a:buNone/>
             </a:pPr>
-            <a:r>
-              <a:rPr lang="en-US" dirty="0"/>
-              <a:t>This layout is used as it is simple and minimalistic making it easy for beginners to use.</a:t>
-            </a:r>
+            <a:endParaRPr lang="en-US" sz="2000" dirty="0"/>
+          </a:p>
+          <a:p>
+            <a:pPr marL="342900" indent="-342900">
+              <a:buAutoNum type="arabicPeriod"/>
+            </a:pPr>
+            <a:r>
+              <a:rPr lang="en-US" sz="1400" dirty="0"/>
+              <a:t>Create board</a:t>
+            </a:r>
+          </a:p>
+          <a:p>
+            <a:pPr marL="342900" indent="-342900">
+              <a:buAutoNum type="arabicPeriod"/>
+            </a:pPr>
+            <a:r>
+              <a:rPr lang="en-US" sz="1400" dirty="0"/>
+              <a:t>Create pieces</a:t>
+            </a:r>
+          </a:p>
+          <a:p>
+            <a:pPr marL="342900" indent="-342900">
+              <a:buAutoNum type="arabicPeriod"/>
+            </a:pPr>
+            <a:r>
+              <a:rPr lang="en-US" sz="1400" dirty="0"/>
+              <a:t>Create piece movement and rules</a:t>
+            </a:r>
+          </a:p>
+          <a:p>
+            <a:pPr marL="342900" indent="-342900">
+              <a:buAutoNum type="arabicPeriod"/>
+            </a:pPr>
+            <a:r>
+              <a:rPr lang="en-US" sz="1400" dirty="0"/>
+              <a:t>Create tutorial dialogue box below board</a:t>
+            </a:r>
+          </a:p>
+          <a:p>
+            <a:pPr marL="342900" indent="-342900">
+              <a:buAutoNum type="arabicPeriod"/>
+            </a:pPr>
+            <a:r>
+              <a:rPr lang="en-US" sz="1400" dirty="0"/>
+              <a:t>Create tutorial steps</a:t>
+            </a:r>
+          </a:p>
+          <a:p>
+            <a:pPr marL="342900" indent="-342900">
+              <a:buAutoNum type="arabicPeriod"/>
+            </a:pPr>
+            <a:r>
+              <a:rPr lang="en-US" sz="1400" dirty="0"/>
+              <a:t>Create logic for castling and pawn promotion</a:t>
+            </a:r>
+          </a:p>
+          <a:p>
+            <a:pPr marL="342900" indent="-342900">
+              <a:buAutoNum type="arabicPeriod"/>
+            </a:pPr>
+            <a:r>
+              <a:rPr lang="en-US" sz="1400" dirty="0"/>
+              <a:t>Create thanks for playing screen</a:t>
+            </a:r>
+          </a:p>
+          <a:p>
+            <a:pPr marL="0" indent="0">
+              <a:buNone/>
+            </a:pPr>
+            <a:endParaRPr lang="en-US" sz="2000" dirty="0"/>
           </a:p>
         </p:txBody>
       </p:sp>
     </p:spTree>
     <p:extLst>
       <p:ext uri="{BB962C8B-B14F-4D97-AF65-F5344CB8AC3E}">
-        <p14:creationId xmlns:p14="http://schemas.microsoft.com/office/powerpoint/2010/main" val="4222296449"/>
+        <p14:creationId xmlns:p14="http://schemas.microsoft.com/office/powerpoint/2010/main" val="946892956"/>
       </p:ext>
     </p:extLst>
   </p:cSld>
@@ -4674,7 +4750,7 @@
       </p:grpSpPr>
       <p:sp useBgFill="1">
         <p:nvSpPr>
-          <p:cNvPr id="10" name="Rectangle 9">
+          <p:cNvPr id="13" name="Rectangle 12">
             <a:extLst>
               <a:ext uri="{FF2B5EF4-FFF2-40B4-BE49-F238E27FC236}">
                 <a16:creationId xmlns:a16="http://schemas.microsoft.com/office/drawing/2014/main" id="{2EB492CD-616E-47F8-933B-5E2D952A0593}"/>
@@ -4925,7 +5001,7 @@
           <p:cNvPr id="2" name="Title 1">
             <a:extLst>
               <a:ext uri="{FF2B5EF4-FFF2-40B4-BE49-F238E27FC236}">
-                <a16:creationId xmlns:a16="http://schemas.microsoft.com/office/drawing/2014/main" id="{4D2662D0-78E9-5632-56EE-C280C87FEAF7}"/>
+                <a16:creationId xmlns:a16="http://schemas.microsoft.com/office/drawing/2014/main" id="{FD51F1EA-FD4F-BF19-1176-AF0EB1FB77C4}"/>
               </a:ext>
             </a:extLst>
           </p:cNvPr>
@@ -4949,9 +5025,10 @@
           <a:lstStyle/>
           <a:p>
             <a:r>
-              <a:rPr lang="en-US" dirty="0"/>
-              <a:t>Implementation</a:t>
-            </a:r>
+              <a:rPr lang="en-US"/>
+              <a:t>Design</a:t>
+            </a:r>
+            <a:endParaRPr lang="en-US" dirty="0"/>
           </a:p>
         </p:txBody>
       </p:sp>
@@ -5093,10 +5170,10 @@
       </p:sp>
       <p:pic>
         <p:nvPicPr>
-          <p:cNvPr id="5" name="Picture 4" descr="A computer code with text&#10;&#10;Description automatically generated">
-            <a:extLst>
-              <a:ext uri="{FF2B5EF4-FFF2-40B4-BE49-F238E27FC236}">
-                <a16:creationId xmlns:a16="http://schemas.microsoft.com/office/drawing/2014/main" id="{676F3312-6A2D-E61B-6D07-4EF747A6B675}"/>
+          <p:cNvPr id="5" name="Picture 4" descr="A screenshot of a chess board&#10;&#10;Description automatically generated">
+            <a:extLst>
+              <a:ext uri="{FF2B5EF4-FFF2-40B4-BE49-F238E27FC236}">
+                <a16:creationId xmlns:a16="http://schemas.microsoft.com/office/drawing/2014/main" id="{BC091870-0E90-1FB1-6ED9-6792212C609E}"/>
               </a:ext>
             </a:extLst>
           </p:cNvPr>
@@ -5113,8 +5190,8 @@
         </p:blipFill>
         <p:spPr>
           <a:xfrm>
-            <a:off x="703182" y="1445119"/>
-            <a:ext cx="4777381" cy="3798017"/>
+            <a:off x="967247" y="511293"/>
+            <a:ext cx="4249251" cy="5665670"/>
           </a:xfrm>
           <a:custGeom>
             <a:avLst/>
@@ -5170,7 +5247,7 @@
           <p:cNvPr id="3" name="Content Placeholder 2">
             <a:extLst>
               <a:ext uri="{FF2B5EF4-FFF2-40B4-BE49-F238E27FC236}">
-                <a16:creationId xmlns:a16="http://schemas.microsoft.com/office/drawing/2014/main" id="{E2F2BCB1-204D-DB37-68E0-7DF4D01E2B9A}"/>
+                <a16:creationId xmlns:a16="http://schemas.microsoft.com/office/drawing/2014/main" id="{E84AC993-37A9-7883-808F-509217EC262D}"/>
               </a:ext>
             </a:extLst>
           </p:cNvPr>
@@ -5198,7 +5275,16 @@
             </a:pPr>
             <a:r>
               <a:rPr lang="en-US" dirty="0"/>
-              <a:t>This chess tutorial program was created keeping object orientated programing in mind. For example, I have created it using various definition functions and call and return functions. I have also included many comments in my programing to make it easy to read and understand.</a:t>
+              <a:t>The layout of this chess tutorial has the board above the dialogue box and a continue button included within the dialogue box.</a:t>
+            </a:r>
+          </a:p>
+          <a:p>
+            <a:pPr marL="0" indent="0">
+              <a:buNone/>
+            </a:pPr>
+            <a:r>
+              <a:rPr lang="en-US" dirty="0"/>
+              <a:t>This layout is used as it is simple and minimalistic making it easy for beginners to use.</a:t>
             </a:r>
           </a:p>
         </p:txBody>
@@ -5206,7 +5292,7 @@
     </p:spTree>
     <p:extLst>
       <p:ext uri="{BB962C8B-B14F-4D97-AF65-F5344CB8AC3E}">
-        <p14:creationId xmlns:p14="http://schemas.microsoft.com/office/powerpoint/2010/main" val="4155277544"/>
+        <p14:creationId xmlns:p14="http://schemas.microsoft.com/office/powerpoint/2010/main" val="4222296449"/>
       </p:ext>
     </p:extLst>
   </p:cSld>
@@ -5246,7 +5332,7 @@
           <p:cNvPr id="10" name="Rectangle 9">
             <a:extLst>
               <a:ext uri="{FF2B5EF4-FFF2-40B4-BE49-F238E27FC236}">
-                <a16:creationId xmlns:a16="http://schemas.microsoft.com/office/drawing/2014/main" id="{66E48AFA-8884-4F68-A44F-D2C1E8609C5A}"/>
+                <a16:creationId xmlns:a16="http://schemas.microsoft.com/office/drawing/2014/main" id="{2EB492CD-616E-47F8-933B-5E2D952A0593}"/>
               </a:ext>
               <a:ext uri="{C183D7F6-B498-43B3-948B-1728B52AA6E4}">
                 <adec:decorative xmlns:adec="http://schemas.microsoft.com/office/drawing/2017/decorative" val="1"/>
@@ -5397,6 +5483,575 @@
       </p:sp>
       <p:sp>
         <p:nvSpPr>
+          <p:cNvPr id="12" name="Arc 11">
+            <a:extLst>
+              <a:ext uri="{FF2B5EF4-FFF2-40B4-BE49-F238E27FC236}">
+                <a16:creationId xmlns:a16="http://schemas.microsoft.com/office/drawing/2014/main" id="{59383CF9-23B5-4335-9B21-1791C4CF1C75}"/>
+              </a:ext>
+              <a:ext uri="{C183D7F6-B498-43B3-948B-1728B52AA6E4}">
+                <adec:decorative xmlns:adec="http://schemas.microsoft.com/office/drawing/2017/decorative" val="1"/>
+              </a:ext>
+            </a:extLst>
+          </p:cNvPr>
+          <p:cNvSpPr>
+            <a:spLocks noGrp="1" noRot="1" noChangeAspect="1" noMove="1" noResize="1" noEditPoints="1" noAdjustHandles="1" noChangeArrowheads="1" noChangeShapeType="1" noTextEdit="1"/>
+          </p:cNvSpPr>
+          <p:nvPr>
+            <p:extLst>
+              <p:ext uri="{386F3935-93C4-4BCD-93E2-E3B085C9AB24}">
+                <p16:designElem xmlns:p16="http://schemas.microsoft.com/office/powerpoint/2015/main" val="1"/>
+              </p:ext>
+            </p:extLst>
+          </p:nvPr>
+        </p:nvSpPr>
+        <p:spPr>
+          <a:xfrm rot="3967198" flipH="1">
+            <a:off x="8631348" y="490493"/>
+            <a:ext cx="2987899" cy="2987899"/>
+          </a:xfrm>
+          <a:prstGeom prst="arc">
+            <a:avLst>
+              <a:gd name="adj1" fmla="val 14441841"/>
+              <a:gd name="adj2" fmla="val 0"/>
+            </a:avLst>
+          </a:prstGeom>
+          <a:ln w="127000" cap="rnd">
+            <a:solidFill>
+              <a:schemeClr val="accent4"/>
+            </a:solidFill>
+            <a:prstDash val="dash"/>
+            <a:miter lim="800000"/>
+          </a:ln>
+        </p:spPr>
+        <p:style>
+          <a:lnRef idx="1">
+            <a:schemeClr val="accent1"/>
+          </a:lnRef>
+          <a:fillRef idx="0">
+            <a:schemeClr val="accent1"/>
+          </a:fillRef>
+          <a:effectRef idx="0">
+            <a:schemeClr val="accent1"/>
+          </a:effectRef>
+          <a:fontRef idx="minor">
+            <a:schemeClr val="tx1"/>
+          </a:fontRef>
+        </p:style>
+        <p:txBody>
+          <a:bodyPr rtlCol="0" anchor="ctr"/>
+          <a:lstStyle/>
+          <a:p>
+            <a:pPr marL="0" marR="0" lvl="0" indent="0" algn="ctr" defTabSz="914400" rtl="0" eaLnBrk="1" fontAlgn="auto" latinLnBrk="0" hangingPunct="1">
+              <a:lnSpc>
+                <a:spcPct val="100000"/>
+              </a:lnSpc>
+              <a:spcBef>
+                <a:spcPts val="0"/>
+              </a:spcBef>
+              <a:spcAft>
+                <a:spcPts val="0"/>
+              </a:spcAft>
+              <a:buClrTx/>
+              <a:buSzTx/>
+              <a:buFontTx/>
+              <a:buNone/>
+              <a:tabLst/>
+              <a:defRPr/>
+            </a:pPr>
+            <a:endParaRPr kumimoji="0" lang="en-US" sz="1800" b="0" i="0" u="none" strike="noStrike" kern="1200" cap="none" spc="0" normalizeH="0" baseline="0" noProof="0">
+              <a:ln>
+                <a:noFill/>
+              </a:ln>
+              <a:solidFill>
+                <a:srgbClr val="000000"/>
+              </a:solidFill>
+              <a:effectLst/>
+              <a:uLnTx/>
+              <a:uFillTx/>
+              <a:latin typeface="Calibri" panose="020F0502020204030204"/>
+              <a:ea typeface="+mn-ea"/>
+              <a:cs typeface="+mn-cs"/>
+            </a:endParaRPr>
+          </a:p>
+        </p:txBody>
+      </p:sp>
+      <p:sp>
+        <p:nvSpPr>
+          <p:cNvPr id="2" name="Title 1">
+            <a:extLst>
+              <a:ext uri="{FF2B5EF4-FFF2-40B4-BE49-F238E27FC236}">
+                <a16:creationId xmlns:a16="http://schemas.microsoft.com/office/drawing/2014/main" id="{4D2662D0-78E9-5632-56EE-C280C87FEAF7}"/>
+              </a:ext>
+            </a:extLst>
+          </p:cNvPr>
+          <p:cNvSpPr>
+            <a:spLocks noGrp="1"/>
+          </p:cNvSpPr>
+          <p:nvPr>
+            <p:ph type="title"/>
+          </p:nvPr>
+        </p:nvSpPr>
+        <p:spPr>
+          <a:xfrm>
+            <a:off x="5894962" y="479493"/>
+            <a:ext cx="5458838" cy="1325563"/>
+          </a:xfrm>
+        </p:spPr>
+        <p:txBody>
+          <a:bodyPr>
+            <a:normAutofit/>
+          </a:bodyPr>
+          <a:lstStyle/>
+          <a:p>
+            <a:r>
+              <a:rPr lang="en-US" dirty="0"/>
+              <a:t>Implementation</a:t>
+            </a:r>
+          </a:p>
+        </p:txBody>
+      </p:sp>
+      <p:sp>
+        <p:nvSpPr>
+          <p:cNvPr id="14" name="Freeform: Shape 13">
+            <a:extLst>
+              <a:ext uri="{FF2B5EF4-FFF2-40B4-BE49-F238E27FC236}">
+                <a16:creationId xmlns:a16="http://schemas.microsoft.com/office/drawing/2014/main" id="{0007FE00-9498-4706-B255-6437B0252C02}"/>
+              </a:ext>
+              <a:ext uri="{C183D7F6-B498-43B3-948B-1728B52AA6E4}">
+                <adec:decorative xmlns:adec="http://schemas.microsoft.com/office/drawing/2017/decorative" val="1"/>
+              </a:ext>
+            </a:extLst>
+          </p:cNvPr>
+          <p:cNvSpPr>
+            <a:spLocks noGrp="1" noRot="1" noChangeAspect="1" noMove="1" noResize="1" noEditPoints="1" noAdjustHandles="1" noChangeArrowheads="1" noChangeShapeType="1" noTextEdit="1"/>
+          </p:cNvSpPr>
+          <p:nvPr>
+            <p:extLst>
+              <p:ext uri="{386F3935-93C4-4BCD-93E2-E3B085C9AB24}">
+                <p16:designElem xmlns:p16="http://schemas.microsoft.com/office/powerpoint/2015/main" val="1"/>
+              </p:ext>
+            </p:extLst>
+          </p:nvPr>
+        </p:nvSpPr>
+        <p:spPr>
+          <a:xfrm flipH="1">
+            <a:off x="0" y="5486400"/>
+            <a:ext cx="2672863" cy="1371600"/>
+          </a:xfrm>
+          <a:custGeom>
+            <a:avLst/>
+            <a:gdLst>
+              <a:gd name="connsiteX0" fmla="*/ 1721734 w 2672863"/>
+              <a:gd name="connsiteY0" fmla="*/ 0 h 1371600"/>
+              <a:gd name="connsiteX1" fmla="*/ 2564444 w 2672863"/>
+              <a:gd name="connsiteY1" fmla="*/ 213382 h 1371600"/>
+              <a:gd name="connsiteX2" fmla="*/ 2672863 w 2672863"/>
+              <a:gd name="connsiteY2" fmla="*/ 279248 h 1371600"/>
+              <a:gd name="connsiteX3" fmla="*/ 2672863 w 2672863"/>
+              <a:gd name="connsiteY3" fmla="*/ 1371600 h 1371600"/>
+              <a:gd name="connsiteX4" fmla="*/ 0 w 2672863"/>
+              <a:gd name="connsiteY4" fmla="*/ 1371600 h 1371600"/>
+              <a:gd name="connsiteX5" fmla="*/ 33268 w 2672863"/>
+              <a:gd name="connsiteY5" fmla="*/ 1242216 h 1371600"/>
+              <a:gd name="connsiteX6" fmla="*/ 1721734 w 2672863"/>
+              <a:gd name="connsiteY6" fmla="*/ 0 h 1371600"/>
+            </a:gdLst>
+            <a:ahLst/>
+            <a:cxnLst>
+              <a:cxn ang="0">
+                <a:pos x="connsiteX0" y="connsiteY0"/>
+              </a:cxn>
+              <a:cxn ang="0">
+                <a:pos x="connsiteX1" y="connsiteY1"/>
+              </a:cxn>
+              <a:cxn ang="0">
+                <a:pos x="connsiteX2" y="connsiteY2"/>
+              </a:cxn>
+              <a:cxn ang="0">
+                <a:pos x="connsiteX3" y="connsiteY3"/>
+              </a:cxn>
+              <a:cxn ang="0">
+                <a:pos x="connsiteX4" y="connsiteY4"/>
+              </a:cxn>
+              <a:cxn ang="0">
+                <a:pos x="connsiteX5" y="connsiteY5"/>
+              </a:cxn>
+              <a:cxn ang="0">
+                <a:pos x="connsiteX6" y="connsiteY6"/>
+              </a:cxn>
+            </a:cxnLst>
+            <a:rect l="l" t="t" r="r" b="b"/>
+            <a:pathLst>
+              <a:path w="2672863" h="1371600">
+                <a:moveTo>
+                  <a:pt x="1721734" y="0"/>
+                </a:moveTo>
+                <a:cubicBezTo>
+                  <a:pt x="2026863" y="0"/>
+                  <a:pt x="2313937" y="77299"/>
+                  <a:pt x="2564444" y="213382"/>
+                </a:cubicBezTo>
+                <a:lnTo>
+                  <a:pt x="2672863" y="279248"/>
+                </a:lnTo>
+                <a:lnTo>
+                  <a:pt x="2672863" y="1371600"/>
+                </a:lnTo>
+                <a:lnTo>
+                  <a:pt x="0" y="1371600"/>
+                </a:lnTo>
+                <a:lnTo>
+                  <a:pt x="33268" y="1242216"/>
+                </a:lnTo>
+                <a:cubicBezTo>
+                  <a:pt x="257110" y="522539"/>
+                  <a:pt x="928399" y="0"/>
+                  <a:pt x="1721734" y="0"/>
+                </a:cubicBezTo>
+                <a:close/>
+              </a:path>
+            </a:pathLst>
+          </a:custGeom>
+          <a:solidFill>
+            <a:schemeClr val="accent4"/>
+          </a:solidFill>
+          <a:ln>
+            <a:noFill/>
+          </a:ln>
+        </p:spPr>
+        <p:style>
+          <a:lnRef idx="2">
+            <a:schemeClr val="accent1">
+              <a:shade val="50000"/>
+            </a:schemeClr>
+          </a:lnRef>
+          <a:fillRef idx="1">
+            <a:schemeClr val="accent1"/>
+          </a:fillRef>
+          <a:effectRef idx="0">
+            <a:schemeClr val="accent1"/>
+          </a:effectRef>
+          <a:fontRef idx="minor">
+            <a:schemeClr val="lt1"/>
+          </a:fontRef>
+        </p:style>
+        <p:txBody>
+          <a:bodyPr wrap="square" rtlCol="0" anchor="ctr">
+            <a:noAutofit/>
+          </a:bodyPr>
+          <a:lstStyle/>
+          <a:p>
+            <a:pPr algn="ctr"/>
+            <a:endParaRPr lang="en-US"/>
+          </a:p>
+        </p:txBody>
+      </p:sp>
+      <p:pic>
+        <p:nvPicPr>
+          <p:cNvPr id="5" name="Picture 4" descr="A computer code with text&#10;&#10;Description automatically generated">
+            <a:extLst>
+              <a:ext uri="{FF2B5EF4-FFF2-40B4-BE49-F238E27FC236}">
+                <a16:creationId xmlns:a16="http://schemas.microsoft.com/office/drawing/2014/main" id="{676F3312-6A2D-E61B-6D07-4EF747A6B675}"/>
+              </a:ext>
+            </a:extLst>
+          </p:cNvPr>
+          <p:cNvPicPr>
+            <a:picLocks noChangeAspect="1"/>
+          </p:cNvPicPr>
+          <p:nvPr/>
+        </p:nvPicPr>
+        <p:blipFill>
+          <a:blip r:embed="rId2"/>
+          <a:stretch>
+            <a:fillRect/>
+          </a:stretch>
+        </p:blipFill>
+        <p:spPr>
+          <a:xfrm>
+            <a:off x="703182" y="1445119"/>
+            <a:ext cx="4777381" cy="3798017"/>
+          </a:xfrm>
+          <a:custGeom>
+            <a:avLst/>
+            <a:gdLst/>
+            <a:ahLst/>
+            <a:cxnLst/>
+            <a:rect l="l" t="t" r="r" b="b"/>
+            <a:pathLst>
+              <a:path w="4777381" h="5643794">
+                <a:moveTo>
+                  <a:pt x="143704" y="0"/>
+                </a:moveTo>
+                <a:lnTo>
+                  <a:pt x="4633677" y="0"/>
+                </a:lnTo>
+                <a:cubicBezTo>
+                  <a:pt x="4713043" y="0"/>
+                  <a:pt x="4777381" y="64338"/>
+                  <a:pt x="4777381" y="143704"/>
+                </a:cubicBezTo>
+                <a:lnTo>
+                  <a:pt x="4777381" y="5500090"/>
+                </a:lnTo>
+                <a:cubicBezTo>
+                  <a:pt x="4777381" y="5579456"/>
+                  <a:pt x="4713043" y="5643794"/>
+                  <a:pt x="4633677" y="5643794"/>
+                </a:cubicBezTo>
+                <a:lnTo>
+                  <a:pt x="143704" y="5643794"/>
+                </a:lnTo>
+                <a:cubicBezTo>
+                  <a:pt x="64338" y="5643794"/>
+                  <a:pt x="0" y="5579456"/>
+                  <a:pt x="0" y="5500090"/>
+                </a:cubicBezTo>
+                <a:lnTo>
+                  <a:pt x="0" y="143704"/>
+                </a:lnTo>
+                <a:cubicBezTo>
+                  <a:pt x="0" y="64338"/>
+                  <a:pt x="64338" y="0"/>
+                  <a:pt x="143704" y="0"/>
+                </a:cubicBezTo>
+                <a:close/>
+              </a:path>
+            </a:pathLst>
+          </a:custGeom>
+        </p:spPr>
+      </p:pic>
+      <p:sp>
+        <p:nvSpPr>
+          <p:cNvPr id="3" name="Content Placeholder 2">
+            <a:extLst>
+              <a:ext uri="{FF2B5EF4-FFF2-40B4-BE49-F238E27FC236}">
+                <a16:creationId xmlns:a16="http://schemas.microsoft.com/office/drawing/2014/main" id="{E2F2BCB1-204D-DB37-68E0-7DF4D01E2B9A}"/>
+              </a:ext>
+            </a:extLst>
+          </p:cNvPr>
+          <p:cNvSpPr>
+            <a:spLocks noGrp="1"/>
+          </p:cNvSpPr>
+          <p:nvPr>
+            <p:ph idx="1"/>
+          </p:nvPr>
+        </p:nvSpPr>
+        <p:spPr>
+          <a:xfrm>
+            <a:off x="5894962" y="1984443"/>
+            <a:ext cx="5458838" cy="4192520"/>
+          </a:xfrm>
+        </p:spPr>
+        <p:txBody>
+          <a:bodyPr>
+            <a:normAutofit/>
+          </a:bodyPr>
+          <a:lstStyle/>
+          <a:p>
+            <a:pPr marL="0" indent="0">
+              <a:buNone/>
+            </a:pPr>
+            <a:r>
+              <a:rPr lang="en-US" dirty="0"/>
+              <a:t>This chess tutorial program was created keeping object orientated programing in mind. For example, I have created it using various definition functions and call and return functions. I have also included many comments in my programing to make it easy to read and understand.</a:t>
+            </a:r>
+          </a:p>
+        </p:txBody>
+      </p:sp>
+    </p:spTree>
+    <p:extLst>
+      <p:ext uri="{BB962C8B-B14F-4D97-AF65-F5344CB8AC3E}">
+        <p14:creationId xmlns:p14="http://schemas.microsoft.com/office/powerpoint/2010/main" val="4155277544"/>
+      </p:ext>
+    </p:extLst>
+  </p:cSld>
+  <p:clrMapOvr>
+    <a:masterClrMapping/>
+  </p:clrMapOvr>
+</p:sld>
+</file>
+
+<file path=ppt/slides/slide5.xml><?xml version="1.0" encoding="utf-8"?>
+<p:sld xmlns:a="http://schemas.openxmlformats.org/drawingml/2006/main" xmlns:r="http://schemas.openxmlformats.org/officeDocument/2006/relationships" xmlns:p="http://schemas.openxmlformats.org/presentationml/2006/main">
+  <p:cSld>
+    <p:bg>
+      <p:bgPr>
+        <a:solidFill>
+          <a:schemeClr val="bg1"/>
+        </a:solidFill>
+        <a:effectLst/>
+      </p:bgPr>
+    </p:bg>
+    <p:spTree>
+      <p:nvGrpSpPr>
+        <p:cNvPr id="1" name=""/>
+        <p:cNvGrpSpPr/>
+        <p:nvPr/>
+      </p:nvGrpSpPr>
+      <p:grpSpPr>
+        <a:xfrm>
+          <a:off x="0" y="0"/>
+          <a:ext cx="0" cy="0"/>
+          <a:chOff x="0" y="0"/>
+          <a:chExt cx="0" cy="0"/>
+        </a:xfrm>
+      </p:grpSpPr>
+      <p:sp useBgFill="1">
+        <p:nvSpPr>
+          <p:cNvPr id="10" name="Rectangle 9">
+            <a:extLst>
+              <a:ext uri="{FF2B5EF4-FFF2-40B4-BE49-F238E27FC236}">
+                <a16:creationId xmlns:a16="http://schemas.microsoft.com/office/drawing/2014/main" id="{66E48AFA-8884-4F68-A44F-D2C1E8609C5A}"/>
+              </a:ext>
+              <a:ext uri="{C183D7F6-B498-43B3-948B-1728B52AA6E4}">
+                <adec:decorative xmlns:adec="http://schemas.microsoft.com/office/drawing/2017/decorative" val="1"/>
+              </a:ext>
+            </a:extLst>
+          </p:cNvPr>
+          <p:cNvSpPr>
+            <a:spLocks noGrp="1" noRot="1" noChangeAspect="1" noMove="1" noResize="1" noEditPoints="1" noAdjustHandles="1" noChangeArrowheads="1" noChangeShapeType="1" noTextEdit="1"/>
+          </p:cNvSpPr>
+          <p:nvPr>
+            <p:extLst>
+              <p:ext uri="{386F3935-93C4-4BCD-93E2-E3B085C9AB24}">
+                <p16:designElem xmlns:p16="http://schemas.microsoft.com/office/powerpoint/2015/main" val="1"/>
+              </p:ext>
+            </p:extLst>
+          </p:nvPr>
+        </p:nvSpPr>
+        <p:spPr bwMode="white">
+          <a:xfrm>
+            <a:off x="0" y="0"/>
+            <a:ext cx="12192000" cy="6858000"/>
+          </a:xfrm>
+          <a:prstGeom prst="rect">
+            <a:avLst/>
+          </a:prstGeom>
+          <a:ln>
+            <a:noFill/>
+          </a:ln>
+        </p:spPr>
+        <p:style>
+          <a:lnRef idx="2">
+            <a:schemeClr val="accent1">
+              <a:shade val="50000"/>
+            </a:schemeClr>
+          </a:lnRef>
+          <a:fillRef idx="1">
+            <a:schemeClr val="accent1"/>
+          </a:fillRef>
+          <a:effectRef idx="0">
+            <a:schemeClr val="accent1"/>
+          </a:effectRef>
+          <a:fontRef idx="minor">
+            <a:schemeClr val="lt1"/>
+          </a:fontRef>
+        </p:style>
+        <p:txBody>
+          <a:bodyPr rtlCol="0" anchor="ctr"/>
+          <a:lstStyle>
+            <a:defPPr>
+              <a:defRPr lang="en-US"/>
+            </a:defPPr>
+            <a:lvl1pPr marL="0" algn="l" defTabSz="914400" rtl="0" eaLnBrk="1" latinLnBrk="0" hangingPunct="1">
+              <a:defRPr sz="1800" kern="1200">
+                <a:solidFill>
+                  <a:schemeClr val="lt1"/>
+                </a:solidFill>
+                <a:latin typeface="+mn-lt"/>
+                <a:ea typeface="+mn-ea"/>
+                <a:cs typeface="+mn-cs"/>
+              </a:defRPr>
+            </a:lvl1pPr>
+            <a:lvl2pPr marL="457200" algn="l" defTabSz="914400" rtl="0" eaLnBrk="1" latinLnBrk="0" hangingPunct="1">
+              <a:defRPr sz="1800" kern="1200">
+                <a:solidFill>
+                  <a:schemeClr val="lt1"/>
+                </a:solidFill>
+                <a:latin typeface="+mn-lt"/>
+                <a:ea typeface="+mn-ea"/>
+                <a:cs typeface="+mn-cs"/>
+              </a:defRPr>
+            </a:lvl2pPr>
+            <a:lvl3pPr marL="914400" algn="l" defTabSz="914400" rtl="0" eaLnBrk="1" latinLnBrk="0" hangingPunct="1">
+              <a:defRPr sz="1800" kern="1200">
+                <a:solidFill>
+                  <a:schemeClr val="lt1"/>
+                </a:solidFill>
+                <a:latin typeface="+mn-lt"/>
+                <a:ea typeface="+mn-ea"/>
+                <a:cs typeface="+mn-cs"/>
+              </a:defRPr>
+            </a:lvl3pPr>
+            <a:lvl4pPr marL="1371600" algn="l" defTabSz="914400" rtl="0" eaLnBrk="1" latinLnBrk="0" hangingPunct="1">
+              <a:defRPr sz="1800" kern="1200">
+                <a:solidFill>
+                  <a:schemeClr val="lt1"/>
+                </a:solidFill>
+                <a:latin typeface="+mn-lt"/>
+                <a:ea typeface="+mn-ea"/>
+                <a:cs typeface="+mn-cs"/>
+              </a:defRPr>
+            </a:lvl4pPr>
+            <a:lvl5pPr marL="1828800" algn="l" defTabSz="914400" rtl="0" eaLnBrk="1" latinLnBrk="0" hangingPunct="1">
+              <a:defRPr sz="1800" kern="1200">
+                <a:solidFill>
+                  <a:schemeClr val="lt1"/>
+                </a:solidFill>
+                <a:latin typeface="+mn-lt"/>
+                <a:ea typeface="+mn-ea"/>
+                <a:cs typeface="+mn-cs"/>
+              </a:defRPr>
+            </a:lvl5pPr>
+            <a:lvl6pPr marL="2286000" algn="l" defTabSz="914400" rtl="0" eaLnBrk="1" latinLnBrk="0" hangingPunct="1">
+              <a:defRPr sz="1800" kern="1200">
+                <a:solidFill>
+                  <a:schemeClr val="lt1"/>
+                </a:solidFill>
+                <a:latin typeface="+mn-lt"/>
+                <a:ea typeface="+mn-ea"/>
+                <a:cs typeface="+mn-cs"/>
+              </a:defRPr>
+            </a:lvl6pPr>
+            <a:lvl7pPr marL="2743200" algn="l" defTabSz="914400" rtl="0" eaLnBrk="1" latinLnBrk="0" hangingPunct="1">
+              <a:defRPr sz="1800" kern="1200">
+                <a:solidFill>
+                  <a:schemeClr val="lt1"/>
+                </a:solidFill>
+                <a:latin typeface="+mn-lt"/>
+                <a:ea typeface="+mn-ea"/>
+                <a:cs typeface="+mn-cs"/>
+              </a:defRPr>
+            </a:lvl7pPr>
+            <a:lvl8pPr marL="3200400" algn="l" defTabSz="914400" rtl="0" eaLnBrk="1" latinLnBrk="0" hangingPunct="1">
+              <a:defRPr sz="1800" kern="1200">
+                <a:solidFill>
+                  <a:schemeClr val="lt1"/>
+                </a:solidFill>
+                <a:latin typeface="+mn-lt"/>
+                <a:ea typeface="+mn-ea"/>
+                <a:cs typeface="+mn-cs"/>
+              </a:defRPr>
+            </a:lvl8pPr>
+            <a:lvl9pPr marL="3657600" algn="l" defTabSz="914400" rtl="0" eaLnBrk="1" latinLnBrk="0" hangingPunct="1">
+              <a:defRPr sz="1800" kern="1200">
+                <a:solidFill>
+                  <a:schemeClr val="lt1"/>
+                </a:solidFill>
+                <a:latin typeface="+mn-lt"/>
+                <a:ea typeface="+mn-ea"/>
+                <a:cs typeface="+mn-cs"/>
+              </a:defRPr>
+            </a:lvl9pPr>
+          </a:lstStyle>
+          <a:p>
+            <a:pPr algn="ctr"/>
+            <a:endParaRPr lang="en-US"/>
+          </a:p>
+        </p:txBody>
+      </p:sp>
+      <p:sp>
+        <p:nvSpPr>
           <p:cNvPr id="2" name="Title 1">
             <a:extLst>
               <a:ext uri="{FF2B5EF4-FFF2-40B4-BE49-F238E27FC236}">
@@ -5649,7 +6304,612 @@
 </p:sld>
 </file>
 
-<file path=ppt/slides/slide5.xml><?xml version="1.0" encoding="utf-8"?>
+<file path=ppt/slides/slide6.xml><?xml version="1.0" encoding="utf-8"?>
+<p:sld xmlns:a="http://schemas.openxmlformats.org/drawingml/2006/main" xmlns:r="http://schemas.openxmlformats.org/officeDocument/2006/relationships" xmlns:p="http://schemas.openxmlformats.org/presentationml/2006/main">
+  <p:cSld>
+    <p:bg>
+      <p:bgPr>
+        <a:solidFill>
+          <a:schemeClr val="bg1"/>
+        </a:solidFill>
+        <a:effectLst/>
+      </p:bgPr>
+    </p:bg>
+    <p:spTree>
+      <p:nvGrpSpPr>
+        <p:cNvPr id="1" name=""/>
+        <p:cNvGrpSpPr/>
+        <p:nvPr/>
+      </p:nvGrpSpPr>
+      <p:grpSpPr>
+        <a:xfrm>
+          <a:off x="0" y="0"/>
+          <a:ext cx="0" cy="0"/>
+          <a:chOff x="0" y="0"/>
+          <a:chExt cx="0" cy="0"/>
+        </a:xfrm>
+      </p:grpSpPr>
+      <p:sp useBgFill="1">
+        <p:nvSpPr>
+          <p:cNvPr id="15" name="Rectangle 14">
+            <a:extLst>
+              <a:ext uri="{FF2B5EF4-FFF2-40B4-BE49-F238E27FC236}">
+                <a16:creationId xmlns:a16="http://schemas.microsoft.com/office/drawing/2014/main" id="{53B475F8-50AE-46A0-9943-B2B63183D50C}"/>
+              </a:ext>
+              <a:ext uri="{C183D7F6-B498-43B3-948B-1728B52AA6E4}">
+                <adec:decorative xmlns:adec="http://schemas.microsoft.com/office/drawing/2017/decorative" val="1"/>
+              </a:ext>
+            </a:extLst>
+          </p:cNvPr>
+          <p:cNvSpPr>
+            <a:spLocks noGrp="1" noRot="1" noChangeAspect="1" noMove="1" noResize="1" noEditPoints="1" noAdjustHandles="1" noChangeArrowheads="1" noChangeShapeType="1" noTextEdit="1"/>
+          </p:cNvSpPr>
+          <p:nvPr>
+            <p:extLst>
+              <p:ext uri="{386F3935-93C4-4BCD-93E2-E3B085C9AB24}">
+                <p16:designElem xmlns:p16="http://schemas.microsoft.com/office/powerpoint/2015/main" val="1"/>
+              </p:ext>
+            </p:extLst>
+          </p:nvPr>
+        </p:nvSpPr>
+        <p:spPr>
+          <a:xfrm>
+            <a:off x="0" y="0"/>
+            <a:ext cx="12188952" cy="6858000"/>
+          </a:xfrm>
+          <a:prstGeom prst="rect">
+            <a:avLst/>
+          </a:prstGeom>
+          <a:ln>
+            <a:noFill/>
+          </a:ln>
+        </p:spPr>
+        <p:style>
+          <a:lnRef idx="2">
+            <a:schemeClr val="accent1">
+              <a:shade val="50000"/>
+            </a:schemeClr>
+          </a:lnRef>
+          <a:fillRef idx="1">
+            <a:schemeClr val="accent1"/>
+          </a:fillRef>
+          <a:effectRef idx="0">
+            <a:schemeClr val="accent1"/>
+          </a:effectRef>
+          <a:fontRef idx="minor">
+            <a:schemeClr val="lt1"/>
+          </a:fontRef>
+        </p:style>
+        <p:txBody>
+          <a:bodyPr rtlCol="0" anchor="ctr"/>
+          <a:lstStyle/>
+          <a:p>
+            <a:pPr algn="ctr"/>
+            <a:endParaRPr lang="en-US"/>
+          </a:p>
+        </p:txBody>
+      </p:sp>
+      <p:sp>
+        <p:nvSpPr>
+          <p:cNvPr id="2" name="Title 1">
+            <a:extLst>
+              <a:ext uri="{FF2B5EF4-FFF2-40B4-BE49-F238E27FC236}">
+                <a16:creationId xmlns:a16="http://schemas.microsoft.com/office/drawing/2014/main" id="{11B889E2-EA0E-4411-4510-ADC6035F7D5E}"/>
+              </a:ext>
+            </a:extLst>
+          </p:cNvPr>
+          <p:cNvSpPr>
+            <a:spLocks noGrp="1"/>
+          </p:cNvSpPr>
+          <p:nvPr>
+            <p:ph type="title"/>
+          </p:nvPr>
+        </p:nvSpPr>
+        <p:spPr>
+          <a:xfrm>
+            <a:off x="612648" y="365125"/>
+            <a:ext cx="6986015" cy="1776484"/>
+          </a:xfrm>
+        </p:spPr>
+        <p:txBody>
+          <a:bodyPr anchor="b">
+            <a:normAutofit/>
+          </a:bodyPr>
+          <a:lstStyle/>
+          <a:p>
+            <a:r>
+              <a:rPr lang="en-US" sz="5400"/>
+              <a:t>Final program</a:t>
+            </a:r>
+          </a:p>
+        </p:txBody>
+      </p:sp>
+      <p:pic>
+        <p:nvPicPr>
+          <p:cNvPr id="7" name="Picture 6" descr="A screenshot of a video game&#10;&#10;Description automatically generated">
+            <a:extLst>
+              <a:ext uri="{FF2B5EF4-FFF2-40B4-BE49-F238E27FC236}">
+                <a16:creationId xmlns:a16="http://schemas.microsoft.com/office/drawing/2014/main" id="{0AFAEA0B-065B-54FF-CB34-0781ACA3860F}"/>
+              </a:ext>
+            </a:extLst>
+          </p:cNvPr>
+          <p:cNvPicPr>
+            <a:picLocks noChangeAspect="1"/>
+          </p:cNvPicPr>
+          <p:nvPr/>
+        </p:nvPicPr>
+        <p:blipFill rotWithShape="1">
+          <a:blip r:embed="rId2"/>
+          <a:srcRect l="1861" r="1807"/>
+          <a:stretch/>
+        </p:blipFill>
+        <p:spPr>
+          <a:xfrm>
+            <a:off x="6339999" y="4396513"/>
+            <a:ext cx="5494650" cy="1868003"/>
+          </a:xfrm>
+          <a:prstGeom prst="rect">
+            <a:avLst/>
+          </a:prstGeom>
+        </p:spPr>
+      </p:pic>
+      <p:sp>
+        <p:nvSpPr>
+          <p:cNvPr id="17" name="sketch line">
+            <a:extLst>
+              <a:ext uri="{FF2B5EF4-FFF2-40B4-BE49-F238E27FC236}">
+                <a16:creationId xmlns:a16="http://schemas.microsoft.com/office/drawing/2014/main" id="{75F6FDB4-2351-48C2-A863-2364A02343C0}"/>
+              </a:ext>
+              <a:ext uri="{C183D7F6-B498-43B3-948B-1728B52AA6E4}">
+                <adec:decorative xmlns:adec="http://schemas.microsoft.com/office/drawing/2017/decorative" val="1"/>
+              </a:ext>
+            </a:extLst>
+          </p:cNvPr>
+          <p:cNvSpPr>
+            <a:spLocks noGrp="1" noRot="1" noChangeAspect="1" noMove="1" noResize="1" noEditPoints="1" noAdjustHandles="1" noChangeArrowheads="1" noChangeShapeType="1" noTextEdit="1"/>
+          </p:cNvSpPr>
+          <p:nvPr>
+            <p:extLst>
+              <p:ext uri="{386F3935-93C4-4BCD-93E2-E3B085C9AB24}">
+                <p16:designElem xmlns:p16="http://schemas.microsoft.com/office/powerpoint/2015/main" val="1"/>
+              </p:ext>
+            </p:extLst>
+          </p:nvPr>
+        </p:nvSpPr>
+        <p:spPr>
+          <a:xfrm>
+            <a:off x="838200" y="2315691"/>
+            <a:ext cx="4343400" cy="18288"/>
+          </a:xfrm>
+          <a:custGeom>
+            <a:avLst/>
+            <a:gdLst>
+              <a:gd name="connsiteX0" fmla="*/ 0 w 4343400"/>
+              <a:gd name="connsiteY0" fmla="*/ 0 h 18288"/>
+              <a:gd name="connsiteX1" fmla="*/ 577052 w 4343400"/>
+              <a:gd name="connsiteY1" fmla="*/ 0 h 18288"/>
+              <a:gd name="connsiteX2" fmla="*/ 1067235 w 4343400"/>
+              <a:gd name="connsiteY2" fmla="*/ 0 h 18288"/>
+              <a:gd name="connsiteX3" fmla="*/ 1600853 w 4343400"/>
+              <a:gd name="connsiteY3" fmla="*/ 0 h 18288"/>
+              <a:gd name="connsiteX4" fmla="*/ 2264773 w 4343400"/>
+              <a:gd name="connsiteY4" fmla="*/ 0 h 18288"/>
+              <a:gd name="connsiteX5" fmla="*/ 2841825 w 4343400"/>
+              <a:gd name="connsiteY5" fmla="*/ 0 h 18288"/>
+              <a:gd name="connsiteX6" fmla="*/ 3375442 w 4343400"/>
+              <a:gd name="connsiteY6" fmla="*/ 0 h 18288"/>
+              <a:gd name="connsiteX7" fmla="*/ 4343400 w 4343400"/>
+              <a:gd name="connsiteY7" fmla="*/ 0 h 18288"/>
+              <a:gd name="connsiteX8" fmla="*/ 4343400 w 4343400"/>
+              <a:gd name="connsiteY8" fmla="*/ 18288 h 18288"/>
+              <a:gd name="connsiteX9" fmla="*/ 3722914 w 4343400"/>
+              <a:gd name="connsiteY9" fmla="*/ 18288 h 18288"/>
+              <a:gd name="connsiteX10" fmla="*/ 3189297 w 4343400"/>
+              <a:gd name="connsiteY10" fmla="*/ 18288 h 18288"/>
+              <a:gd name="connsiteX11" fmla="*/ 2481943 w 4343400"/>
+              <a:gd name="connsiteY11" fmla="*/ 18288 h 18288"/>
+              <a:gd name="connsiteX12" fmla="*/ 1904891 w 4343400"/>
+              <a:gd name="connsiteY12" fmla="*/ 18288 h 18288"/>
+              <a:gd name="connsiteX13" fmla="*/ 1414707 w 4343400"/>
+              <a:gd name="connsiteY13" fmla="*/ 18288 h 18288"/>
+              <a:gd name="connsiteX14" fmla="*/ 750788 w 4343400"/>
+              <a:gd name="connsiteY14" fmla="*/ 18288 h 18288"/>
+              <a:gd name="connsiteX15" fmla="*/ 0 w 4343400"/>
+              <a:gd name="connsiteY15" fmla="*/ 18288 h 18288"/>
+              <a:gd name="connsiteX16" fmla="*/ 0 w 4343400"/>
+              <a:gd name="connsiteY16" fmla="*/ 0 h 18288"/>
+            </a:gdLst>
+            <a:ahLst/>
+            <a:cxnLst>
+              <a:cxn ang="0">
+                <a:pos x="connsiteX0" y="connsiteY0"/>
+              </a:cxn>
+              <a:cxn ang="0">
+                <a:pos x="connsiteX1" y="connsiteY1"/>
+              </a:cxn>
+              <a:cxn ang="0">
+                <a:pos x="connsiteX2" y="connsiteY2"/>
+              </a:cxn>
+              <a:cxn ang="0">
+                <a:pos x="connsiteX3" y="connsiteY3"/>
+              </a:cxn>
+              <a:cxn ang="0">
+                <a:pos x="connsiteX4" y="connsiteY4"/>
+              </a:cxn>
+              <a:cxn ang="0">
+                <a:pos x="connsiteX5" y="connsiteY5"/>
+              </a:cxn>
+              <a:cxn ang="0">
+                <a:pos x="connsiteX6" y="connsiteY6"/>
+              </a:cxn>
+              <a:cxn ang="0">
+                <a:pos x="connsiteX7" y="connsiteY7"/>
+              </a:cxn>
+              <a:cxn ang="0">
+                <a:pos x="connsiteX8" y="connsiteY8"/>
+              </a:cxn>
+              <a:cxn ang="0">
+                <a:pos x="connsiteX9" y="connsiteY9"/>
+              </a:cxn>
+              <a:cxn ang="0">
+                <a:pos x="connsiteX10" y="connsiteY10"/>
+              </a:cxn>
+              <a:cxn ang="0">
+                <a:pos x="connsiteX11" y="connsiteY11"/>
+              </a:cxn>
+              <a:cxn ang="0">
+                <a:pos x="connsiteX12" y="connsiteY12"/>
+              </a:cxn>
+              <a:cxn ang="0">
+                <a:pos x="connsiteX13" y="connsiteY13"/>
+              </a:cxn>
+              <a:cxn ang="0">
+                <a:pos x="connsiteX14" y="connsiteY14"/>
+              </a:cxn>
+              <a:cxn ang="0">
+                <a:pos x="connsiteX15" y="connsiteY15"/>
+              </a:cxn>
+              <a:cxn ang="0">
+                <a:pos x="connsiteX16" y="connsiteY16"/>
+              </a:cxn>
+            </a:cxnLst>
+            <a:rect l="l" t="t" r="r" b="b"/>
+            <a:pathLst>
+              <a:path w="4343400" h="18288" fill="none" extrusionOk="0">
+                <a:moveTo>
+                  <a:pt x="0" y="0"/>
+                </a:moveTo>
+                <a:cubicBezTo>
+                  <a:pt x="233209" y="-19550"/>
+                  <a:pt x="330816" y="19068"/>
+                  <a:pt x="577052" y="0"/>
+                </a:cubicBezTo>
+                <a:cubicBezTo>
+                  <a:pt x="823288" y="-19068"/>
+                  <a:pt x="875077" y="10360"/>
+                  <a:pt x="1067235" y="0"/>
+                </a:cubicBezTo>
+                <a:cubicBezTo>
+                  <a:pt x="1259393" y="-10360"/>
+                  <a:pt x="1410699" y="2939"/>
+                  <a:pt x="1600853" y="0"/>
+                </a:cubicBezTo>
+                <a:cubicBezTo>
+                  <a:pt x="1791007" y="-2939"/>
+                  <a:pt x="2101644" y="-26225"/>
+                  <a:pt x="2264773" y="0"/>
+                </a:cubicBezTo>
+                <a:cubicBezTo>
+                  <a:pt x="2427902" y="26225"/>
+                  <a:pt x="2690426" y="-27726"/>
+                  <a:pt x="2841825" y="0"/>
+                </a:cubicBezTo>
+                <a:cubicBezTo>
+                  <a:pt x="2993224" y="27726"/>
+                  <a:pt x="3172320" y="-18569"/>
+                  <a:pt x="3375442" y="0"/>
+                </a:cubicBezTo>
+                <a:cubicBezTo>
+                  <a:pt x="3578564" y="18569"/>
+                  <a:pt x="4003119" y="21909"/>
+                  <a:pt x="4343400" y="0"/>
+                </a:cubicBezTo>
+                <a:cubicBezTo>
+                  <a:pt x="4343798" y="7429"/>
+                  <a:pt x="4343380" y="10822"/>
+                  <a:pt x="4343400" y="18288"/>
+                </a:cubicBezTo>
+                <a:cubicBezTo>
+                  <a:pt x="4109047" y="14709"/>
+                  <a:pt x="3996986" y="7919"/>
+                  <a:pt x="3722914" y="18288"/>
+                </a:cubicBezTo>
+                <a:cubicBezTo>
+                  <a:pt x="3448842" y="28657"/>
+                  <a:pt x="3340973" y="29252"/>
+                  <a:pt x="3189297" y="18288"/>
+                </a:cubicBezTo>
+                <a:cubicBezTo>
+                  <a:pt x="3037621" y="7324"/>
+                  <a:pt x="2636891" y="-9539"/>
+                  <a:pt x="2481943" y="18288"/>
+                </a:cubicBezTo>
+                <a:cubicBezTo>
+                  <a:pt x="2326995" y="46115"/>
+                  <a:pt x="2131632" y="740"/>
+                  <a:pt x="1904891" y="18288"/>
+                </a:cubicBezTo>
+                <a:cubicBezTo>
+                  <a:pt x="1678150" y="35836"/>
+                  <a:pt x="1575362" y="-3381"/>
+                  <a:pt x="1414707" y="18288"/>
+                </a:cubicBezTo>
+                <a:cubicBezTo>
+                  <a:pt x="1254052" y="39957"/>
+                  <a:pt x="1051093" y="-335"/>
+                  <a:pt x="750788" y="18288"/>
+                </a:cubicBezTo>
+                <a:cubicBezTo>
+                  <a:pt x="450483" y="36911"/>
+                  <a:pt x="293781" y="22900"/>
+                  <a:pt x="0" y="18288"/>
+                </a:cubicBezTo>
+                <a:cubicBezTo>
+                  <a:pt x="-591" y="13205"/>
+                  <a:pt x="-663" y="6329"/>
+                  <a:pt x="0" y="0"/>
+                </a:cubicBezTo>
+                <a:close/>
+              </a:path>
+              <a:path w="4343400" h="18288" stroke="0" extrusionOk="0">
+                <a:moveTo>
+                  <a:pt x="0" y="0"/>
+                </a:moveTo>
+                <a:cubicBezTo>
+                  <a:pt x="212719" y="-28531"/>
+                  <a:pt x="340561" y="-1164"/>
+                  <a:pt x="577052" y="0"/>
+                </a:cubicBezTo>
+                <a:cubicBezTo>
+                  <a:pt x="813543" y="1164"/>
+                  <a:pt x="866967" y="-9376"/>
+                  <a:pt x="1067235" y="0"/>
+                </a:cubicBezTo>
+                <a:cubicBezTo>
+                  <a:pt x="1267503" y="9376"/>
+                  <a:pt x="1485778" y="-20470"/>
+                  <a:pt x="1774589" y="0"/>
+                </a:cubicBezTo>
+                <a:cubicBezTo>
+                  <a:pt x="2063400" y="20470"/>
+                  <a:pt x="2090152" y="-14502"/>
+                  <a:pt x="2351641" y="0"/>
+                </a:cubicBezTo>
+                <a:cubicBezTo>
+                  <a:pt x="2613130" y="14502"/>
+                  <a:pt x="2802864" y="19125"/>
+                  <a:pt x="2928693" y="0"/>
+                </a:cubicBezTo>
+                <a:cubicBezTo>
+                  <a:pt x="3054522" y="-19125"/>
+                  <a:pt x="3482611" y="-2038"/>
+                  <a:pt x="3636046" y="0"/>
+                </a:cubicBezTo>
+                <a:cubicBezTo>
+                  <a:pt x="3789481" y="2038"/>
+                  <a:pt x="4012363" y="973"/>
+                  <a:pt x="4343400" y="0"/>
+                </a:cubicBezTo>
+                <a:cubicBezTo>
+                  <a:pt x="4342514" y="5429"/>
+                  <a:pt x="4344221" y="14046"/>
+                  <a:pt x="4343400" y="18288"/>
+                </a:cubicBezTo>
+                <a:cubicBezTo>
+                  <a:pt x="4078870" y="-6138"/>
+                  <a:pt x="4015967" y="29658"/>
+                  <a:pt x="3809782" y="18288"/>
+                </a:cubicBezTo>
+                <a:cubicBezTo>
+                  <a:pt x="3603597" y="6918"/>
+                  <a:pt x="3495552" y="24439"/>
+                  <a:pt x="3189297" y="18288"/>
+                </a:cubicBezTo>
+                <a:cubicBezTo>
+                  <a:pt x="2883042" y="12137"/>
+                  <a:pt x="2850610" y="32583"/>
+                  <a:pt x="2568811" y="18288"/>
+                </a:cubicBezTo>
+                <a:cubicBezTo>
+                  <a:pt x="2287012" y="3993"/>
+                  <a:pt x="2279820" y="23580"/>
+                  <a:pt x="1991759" y="18288"/>
+                </a:cubicBezTo>
+                <a:cubicBezTo>
+                  <a:pt x="1703698" y="12996"/>
+                  <a:pt x="1616455" y="23157"/>
+                  <a:pt x="1284405" y="18288"/>
+                </a:cubicBezTo>
+                <a:cubicBezTo>
+                  <a:pt x="952355" y="13419"/>
+                  <a:pt x="783530" y="16053"/>
+                  <a:pt x="577052" y="18288"/>
+                </a:cubicBezTo>
+                <a:cubicBezTo>
+                  <a:pt x="370574" y="20523"/>
+                  <a:pt x="173929" y="5195"/>
+                  <a:pt x="0" y="18288"/>
+                </a:cubicBezTo>
+                <a:cubicBezTo>
+                  <a:pt x="668" y="13665"/>
+                  <a:pt x="578" y="5675"/>
+                  <a:pt x="0" y="0"/>
+                </a:cubicBezTo>
+                <a:close/>
+              </a:path>
+            </a:pathLst>
+          </a:custGeom>
+          <a:solidFill>
+            <a:schemeClr val="accent2"/>
+          </a:solidFill>
+          <a:ln w="41275" cap="rnd">
+            <a:solidFill>
+              <a:schemeClr val="accent2"/>
+            </a:solidFill>
+            <a:round/>
+            <a:extLst>
+              <a:ext uri="{C807C97D-BFC1-408E-A445-0C87EB9F89A2}">
+                <ask:lineSketchStyleProps xmlns:ask="http://schemas.microsoft.com/office/drawing/2018/sketchyshapes" sd="1219033472">
+                  <a:prstGeom prst="rect">
+                    <a:avLst/>
+                  </a:prstGeom>
+                  <ask:type>
+                    <ask:lineSketchFreehand/>
+                  </ask:type>
+                </ask:lineSketchStyleProps>
+              </a:ext>
+            </a:extLst>
+          </a:ln>
+        </p:spPr>
+        <p:style>
+          <a:lnRef idx="2">
+            <a:schemeClr val="accent1">
+              <a:shade val="50000"/>
+            </a:schemeClr>
+          </a:lnRef>
+          <a:fillRef idx="1">
+            <a:schemeClr val="accent1"/>
+          </a:fillRef>
+          <a:effectRef idx="0">
+            <a:schemeClr val="accent1"/>
+          </a:effectRef>
+          <a:fontRef idx="minor">
+            <a:schemeClr val="lt1"/>
+          </a:fontRef>
+        </p:style>
+        <p:txBody>
+          <a:bodyPr rtlCol="0" anchor="ctr"/>
+          <a:lstStyle/>
+          <a:p>
+            <a:pPr algn="ctr"/>
+            <a:endParaRPr lang="en-US"/>
+          </a:p>
+        </p:txBody>
+      </p:sp>
+      <p:sp>
+        <p:nvSpPr>
+          <p:cNvPr id="3" name="Content Placeholder 2">
+            <a:extLst>
+              <a:ext uri="{FF2B5EF4-FFF2-40B4-BE49-F238E27FC236}">
+                <a16:creationId xmlns:a16="http://schemas.microsoft.com/office/drawing/2014/main" id="{202A0B90-8318-08BD-D03F-CF7EA7C3912A}"/>
+              </a:ext>
+            </a:extLst>
+          </p:cNvPr>
+          <p:cNvSpPr>
+            <a:spLocks noGrp="1"/>
+          </p:cNvSpPr>
+          <p:nvPr>
+            <p:ph idx="1"/>
+          </p:nvPr>
+        </p:nvSpPr>
+        <p:spPr>
+          <a:xfrm>
+            <a:off x="612648" y="2504819"/>
+            <a:ext cx="6986016" cy="3672144"/>
+          </a:xfrm>
+        </p:spPr>
+        <p:txBody>
+          <a:bodyPr>
+            <a:normAutofit/>
+          </a:bodyPr>
+          <a:lstStyle/>
+          <a:p>
+            <a:pPr marL="0" indent="0">
+              <a:buNone/>
+            </a:pPr>
+            <a:r>
+              <a:rPr lang="en-US" sz="2200" dirty="0"/>
+              <a:t>With the Chess tutorial complete there is 285 lines of code, a complete chess engine with castling and pawn promotion and 9 detailed explanations of the mechanics of chess.</a:t>
+            </a:r>
+          </a:p>
+        </p:txBody>
+      </p:sp>
+      <p:pic>
+        <p:nvPicPr>
+          <p:cNvPr id="5" name="Picture 4" descr="A screenshot of a game&#10;&#10;Description automatically generated">
+            <a:extLst>
+              <a:ext uri="{FF2B5EF4-FFF2-40B4-BE49-F238E27FC236}">
+                <a16:creationId xmlns:a16="http://schemas.microsoft.com/office/drawing/2014/main" id="{EDAA9170-8206-27F2-1F2D-8BF318D14C66}"/>
+              </a:ext>
+            </a:extLst>
+          </p:cNvPr>
+          <p:cNvPicPr>
+            <a:picLocks noChangeAspect="1"/>
+          </p:cNvPicPr>
+          <p:nvPr/>
+        </p:nvPicPr>
+        <p:blipFill>
+          <a:blip r:embed="rId3"/>
+          <a:stretch>
+            <a:fillRect/>
+          </a:stretch>
+        </p:blipFill>
+        <p:spPr>
+          <a:xfrm>
+            <a:off x="7932491" y="269677"/>
+            <a:ext cx="3649960" cy="3640836"/>
+          </a:xfrm>
+          <a:prstGeom prst="rect">
+            <a:avLst/>
+          </a:prstGeom>
+        </p:spPr>
+      </p:pic>
+      <p:pic>
+        <p:nvPicPr>
+          <p:cNvPr id="10" name="Picture 9" descr="A screenshot of a computer&#10;&#10;Description automatically generated">
+            <a:extLst>
+              <a:ext uri="{FF2B5EF4-FFF2-40B4-BE49-F238E27FC236}">
+                <a16:creationId xmlns:a16="http://schemas.microsoft.com/office/drawing/2014/main" id="{991EABAA-684D-898C-44EA-549261C01699}"/>
+              </a:ext>
+            </a:extLst>
+          </p:cNvPr>
+          <p:cNvPicPr>
+            <a:picLocks noChangeAspect="1"/>
+          </p:cNvPicPr>
+          <p:nvPr/>
+        </p:nvPicPr>
+        <p:blipFill rotWithShape="1">
+          <a:blip r:embed="rId4"/>
+          <a:srcRect l="1377" r="2290"/>
+          <a:stretch/>
+        </p:blipFill>
+        <p:spPr>
+          <a:xfrm>
+            <a:off x="357353" y="4396514"/>
+            <a:ext cx="5494650" cy="1868003"/>
+          </a:xfrm>
+          <a:prstGeom prst="rect">
+            <a:avLst/>
+          </a:prstGeom>
+          <a:effectLst>
+            <a:softEdge rad="0"/>
+          </a:effectLst>
+        </p:spPr>
+      </p:pic>
+    </p:spTree>
+    <p:extLst>
+      <p:ext uri="{BB962C8B-B14F-4D97-AF65-F5344CB8AC3E}">
+        <p14:creationId xmlns:p14="http://schemas.microsoft.com/office/powerpoint/2010/main" val="264406969"/>
+      </p:ext>
+    </p:extLst>
+  </p:cSld>
+  <p:clrMapOvr>
+    <a:masterClrMapping/>
+  </p:clrMapOvr>
+</p:sld>
+</file>
+
+<file path=ppt/slides/slide7.xml><?xml version="1.0" encoding="utf-8"?>
 <p:sld xmlns:a="http://schemas.openxmlformats.org/drawingml/2006/main" xmlns:r="http://schemas.openxmlformats.org/officeDocument/2006/relationships" xmlns:p="http://schemas.openxmlformats.org/presentationml/2006/main">
   <p:cSld>
     <p:bg>
